--- a/materials/lec_1/lec_1.pptx
+++ b/materials/lec_1/lec_1.pptx
@@ -224,7 +224,7 @@
           <a:p>
             <a:fld id="{07CCACB0-F8FE-4858-B318-FD65BA258CC9}" type="datetimeFigureOut">
               <a:rPr lang="ru-RU" smtClean="0"/>
-              <a:t>30.11.2017</a:t>
+              <a:t>06.12.2017</a:t>
             </a:fld>
             <a:endParaRPr lang="ru-RU"/>
           </a:p>
@@ -1201,7 +1201,7 @@
           <a:p>
             <a:fld id="{B4C71EC6-210F-42DE-9C53-41977AD35B3D}" type="datetimeFigureOut">
               <a:rPr lang="ru-RU" smtClean="0"/>
-              <a:t>30.11.2017</a:t>
+              <a:t>06.12.2017</a:t>
             </a:fld>
             <a:endParaRPr lang="ru-RU"/>
           </a:p>
@@ -1397,7 +1397,7 @@
           <a:p>
             <a:fld id="{B4C71EC6-210F-42DE-9C53-41977AD35B3D}" type="datetimeFigureOut">
               <a:rPr lang="ru-RU" smtClean="0"/>
-              <a:t>30.11.2017</a:t>
+              <a:t>06.12.2017</a:t>
             </a:fld>
             <a:endParaRPr lang="ru-RU"/>
           </a:p>
@@ -1582,7 +1582,7 @@
           <a:p>
             <a:fld id="{B4C71EC6-210F-42DE-9C53-41977AD35B3D}" type="datetimeFigureOut">
               <a:rPr lang="ru-RU" smtClean="0"/>
-              <a:t>30.11.2017</a:t>
+              <a:t>06.12.2017</a:t>
             </a:fld>
             <a:endParaRPr lang="ru-RU"/>
           </a:p>
@@ -1732,7 +1732,7 @@
           <a:p>
             <a:fld id="{B4C71EC6-210F-42DE-9C53-41977AD35B3D}" type="datetimeFigureOut">
               <a:rPr lang="ru-RU" smtClean="0"/>
-              <a:t>30.11.2017</a:t>
+              <a:t>06.12.2017</a:t>
             </a:fld>
             <a:endParaRPr lang="ru-RU"/>
           </a:p>
@@ -1982,7 +1982,7 @@
           <a:p>
             <a:fld id="{B4C71EC6-210F-42DE-9C53-41977AD35B3D}" type="datetimeFigureOut">
               <a:rPr lang="ru-RU" smtClean="0"/>
-              <a:t>30.11.2017</a:t>
+              <a:t>06.12.2017</a:t>
             </a:fld>
             <a:endParaRPr lang="ru-RU"/>
           </a:p>
@@ -2386,7 +2386,7 @@
           <a:p>
             <a:fld id="{B4C71EC6-210F-42DE-9C53-41977AD35B3D}" type="datetimeFigureOut">
               <a:rPr lang="ru-RU" smtClean="0"/>
-              <a:t>30.11.2017</a:t>
+              <a:t>06.12.2017</a:t>
             </a:fld>
             <a:endParaRPr lang="ru-RU"/>
           </a:p>
@@ -2827,7 +2827,7 @@
           <a:p>
             <a:fld id="{B4C71EC6-210F-42DE-9C53-41977AD35B3D}" type="datetimeFigureOut">
               <a:rPr lang="ru-RU" smtClean="0"/>
-              <a:t>30.11.2017</a:t>
+              <a:t>06.12.2017</a:t>
             </a:fld>
             <a:endParaRPr lang="ru-RU"/>
           </a:p>
@@ -2923,7 +2923,7 @@
           <a:p>
             <a:fld id="{B4C71EC6-210F-42DE-9C53-41977AD35B3D}" type="datetimeFigureOut">
               <a:rPr lang="ru-RU" smtClean="0"/>
-              <a:t>30.11.2017</a:t>
+              <a:t>06.12.2017</a:t>
             </a:fld>
             <a:endParaRPr lang="ru-RU"/>
           </a:p>
@@ -3044,7 +3044,7 @@
           <a:p>
             <a:fld id="{B4C71EC6-210F-42DE-9C53-41977AD35B3D}" type="datetimeFigureOut">
               <a:rPr lang="ru-RU" smtClean="0"/>
-              <a:t>30.11.2017</a:t>
+              <a:t>06.12.2017</a:t>
             </a:fld>
             <a:endParaRPr lang="ru-RU"/>
           </a:p>
@@ -3313,7 +3313,7 @@
           <a:p>
             <a:fld id="{B4C71EC6-210F-42DE-9C53-41977AD35B3D}" type="datetimeFigureOut">
               <a:rPr lang="ru-RU" smtClean="0"/>
-              <a:t>30.11.2017</a:t>
+              <a:t>06.12.2017</a:t>
             </a:fld>
             <a:endParaRPr lang="ru-RU"/>
           </a:p>
@@ -3513,7 +3513,7 @@
           <a:p>
             <a:fld id="{B4C71EC6-210F-42DE-9C53-41977AD35B3D}" type="datetimeFigureOut">
               <a:rPr lang="ru-RU" smtClean="0"/>
-              <a:t>30.11.2017</a:t>
+              <a:t>06.12.2017</a:t>
             </a:fld>
             <a:endParaRPr lang="ru-RU"/>
           </a:p>
@@ -4631,7 +4631,7 @@
           <a:p>
             <a:fld id="{B4C71EC6-210F-42DE-9C53-41977AD35B3D}" type="datetimeFigureOut">
               <a:rPr lang="ru-RU" smtClean="0"/>
-              <a:t>30.11.2017</a:t>
+              <a:t>06.12.2017</a:t>
             </a:fld>
             <a:endParaRPr lang="ru-RU"/>
           </a:p>
@@ -18301,7 +18301,7 @@
               <a:t>// или </a:t>
             </a:r>
             <a:r>
-              <a:rPr lang="ru-RU" dirty="0" err="1">
+              <a:rPr lang="ru-RU" dirty="0" err="1" smtClean="0">
                 <a:solidFill>
                   <a:srgbClr val="008000"/>
                 </a:solidFill>
@@ -18311,7 +18311,33 @@
                 <a:latin typeface="Consolas" pitchFamily="49" charset="0"/>
                 <a:cs typeface="Consolas" pitchFamily="49" charset="0"/>
               </a:rPr>
-              <a:t>f.sF</a:t>
+              <a:t>f.s</a:t>
+            </a:r>
+            <a:r>
+              <a:rPr lang="en-US" smtClean="0">
+                <a:solidFill>
+                  <a:srgbClr val="008000"/>
+                </a:solidFill>
+                <a:highlight>
+                  <a:srgbClr val="FFFFFF"/>
+                </a:highlight>
+                <a:latin typeface="Consolas" pitchFamily="49" charset="0"/>
+                <a:cs typeface="Consolas" pitchFamily="49" charset="0"/>
+              </a:rPr>
+              <a:t>f</a:t>
+            </a:r>
+            <a:r>
+              <a:rPr lang="ru-RU" smtClean="0">
+                <a:solidFill>
+                  <a:srgbClr val="008000"/>
+                </a:solidFill>
+                <a:highlight>
+                  <a:srgbClr val="FFFFFF"/>
+                </a:highlight>
+                <a:latin typeface="Consolas" pitchFamily="49" charset="0"/>
+                <a:cs typeface="Consolas" pitchFamily="49" charset="0"/>
+              </a:rPr>
+              <a:t>, </a:t>
             </a:r>
             <a:r>
               <a:rPr lang="ru-RU" dirty="0">
@@ -18324,7 +18350,7 @@
                 <a:latin typeface="Consolas" pitchFamily="49" charset="0"/>
                 <a:cs typeface="Consolas" pitchFamily="49" charset="0"/>
               </a:rPr>
-              <a:t>, 16я компонента</a:t>
+              <a:t>16я компонента</a:t>
             </a:r>
             <a:endParaRPr lang="ru-RU" dirty="0">
               <a:latin typeface="Consolas" pitchFamily="49" charset="0"/>
